--- a/ppt 16-9/1004.信心生活.pptx
+++ b/ppt 16-9/1004.信心生活.pptx
@@ -129,7 +129,7 @@
           <p:cNvPr id="2" name="标题 1">
             <a:extLst>
               <a:ext uri="{FF2B5EF4-FFF2-40B4-BE49-F238E27FC236}">
-                <a16:creationId xmlns:a16="http://schemas.microsoft.com/office/drawing/2014/main" id="{D1DEE27C-B977-13EB-DF5A-FEE4A6DA2530}"/>
+                <a16:creationId xmlns:a16="http://schemas.microsoft.com/office/drawing/2014/main" id="{11505ADB-F1C0-E0D3-E0CD-76F364F5B4AC}"/>
               </a:ext>
             </a:extLst>
           </p:cNvPr>
@@ -166,7 +166,7 @@
           <p:cNvPr id="3" name="副标题 2">
             <a:extLst>
               <a:ext uri="{FF2B5EF4-FFF2-40B4-BE49-F238E27FC236}">
-                <a16:creationId xmlns:a16="http://schemas.microsoft.com/office/drawing/2014/main" id="{771DC12A-77BC-C8E5-BE94-641D950CE3F8}"/>
+                <a16:creationId xmlns:a16="http://schemas.microsoft.com/office/drawing/2014/main" id="{B6A70FF3-4749-46F6-E098-CDF661169F4F}"/>
               </a:ext>
             </a:extLst>
           </p:cNvPr>
@@ -236,7 +236,7 @@
           <p:cNvPr id="4" name="日期占位符 3">
             <a:extLst>
               <a:ext uri="{FF2B5EF4-FFF2-40B4-BE49-F238E27FC236}">
-                <a16:creationId xmlns:a16="http://schemas.microsoft.com/office/drawing/2014/main" id="{947780B4-5692-BFF2-405F-B7BDC0E8CD37}"/>
+                <a16:creationId xmlns:a16="http://schemas.microsoft.com/office/drawing/2014/main" id="{BB6DB844-4CA7-D4A6-37EF-3B9ED2E2428F}"/>
               </a:ext>
             </a:extLst>
           </p:cNvPr>
@@ -252,7 +252,7 @@
           <a:bodyPr/>
           <a:lstStyle/>
           <a:p>
-            <a:fld id="{639C031D-DA55-4A30-8516-28876F345511}" type="datetimeFigureOut">
+            <a:fld id="{8012890D-D4CB-44A7-A051-CCB8235EC30F}" type="datetimeFigureOut">
               <a:rPr lang="zh-CN" altLang="en-US" smtClean="0"/>
               <a:t>2024/3/10</a:t>
             </a:fld>
@@ -265,7 +265,7 @@
           <p:cNvPr id="5" name="页脚占位符 4">
             <a:extLst>
               <a:ext uri="{FF2B5EF4-FFF2-40B4-BE49-F238E27FC236}">
-                <a16:creationId xmlns:a16="http://schemas.microsoft.com/office/drawing/2014/main" id="{2271E219-B7D9-3A71-3EE6-F395A139E9BD}"/>
+                <a16:creationId xmlns:a16="http://schemas.microsoft.com/office/drawing/2014/main" id="{4CFA2502-FF9E-4E35-1123-738FBDFD2EBB}"/>
               </a:ext>
             </a:extLst>
           </p:cNvPr>
@@ -290,7 +290,7 @@
           <p:cNvPr id="6" name="灯片编号占位符 5">
             <a:extLst>
               <a:ext uri="{FF2B5EF4-FFF2-40B4-BE49-F238E27FC236}">
-                <a16:creationId xmlns:a16="http://schemas.microsoft.com/office/drawing/2014/main" id="{69E90225-4BF4-CB92-48BA-C7A654148443}"/>
+                <a16:creationId xmlns:a16="http://schemas.microsoft.com/office/drawing/2014/main" id="{8C352BF4-BF5A-B817-93CA-75FC9425D5A2}"/>
               </a:ext>
             </a:extLst>
           </p:cNvPr>
@@ -306,7 +306,7 @@
           <a:bodyPr/>
           <a:lstStyle/>
           <a:p>
-            <a:fld id="{82066656-9E41-4ED4-A94E-40F03657EB32}" type="slidenum">
+            <a:fld id="{85A530ED-3BD2-439D-AFEE-93C4BDF0DDC7}" type="slidenum">
               <a:rPr lang="zh-CN" altLang="en-US" smtClean="0"/>
               <a:t>‹#›</a:t>
             </a:fld>
@@ -317,7 +317,7 @@
     </p:spTree>
     <p:extLst>
       <p:ext uri="{BB962C8B-B14F-4D97-AF65-F5344CB8AC3E}">
-        <p14:creationId xmlns:p14="http://schemas.microsoft.com/office/powerpoint/2010/main" val="103508440"/>
+        <p14:creationId xmlns:p14="http://schemas.microsoft.com/office/powerpoint/2010/main" val="1172737445"/>
       </p:ext>
     </p:extLst>
   </p:cSld>
@@ -349,7 +349,7 @@
           <p:cNvPr id="2" name="标题 1">
             <a:extLst>
               <a:ext uri="{FF2B5EF4-FFF2-40B4-BE49-F238E27FC236}">
-                <a16:creationId xmlns:a16="http://schemas.microsoft.com/office/drawing/2014/main" id="{CC3C1066-1A8E-FFF6-0E8F-96448BA30E28}"/>
+                <a16:creationId xmlns:a16="http://schemas.microsoft.com/office/drawing/2014/main" id="{CEE98F2C-AD47-25B4-0294-5EF46CC2CD65}"/>
               </a:ext>
             </a:extLst>
           </p:cNvPr>
@@ -377,7 +377,7 @@
           <p:cNvPr id="3" name="竖排文字占位符 2">
             <a:extLst>
               <a:ext uri="{FF2B5EF4-FFF2-40B4-BE49-F238E27FC236}">
-                <a16:creationId xmlns:a16="http://schemas.microsoft.com/office/drawing/2014/main" id="{2FDBEC77-AB25-96F4-D6D5-368C294DB694}"/>
+                <a16:creationId xmlns:a16="http://schemas.microsoft.com/office/drawing/2014/main" id="{8FF8795C-FB35-231C-99F5-2567F1367F73}"/>
               </a:ext>
             </a:extLst>
           </p:cNvPr>
@@ -434,7 +434,7 @@
           <p:cNvPr id="4" name="日期占位符 3">
             <a:extLst>
               <a:ext uri="{FF2B5EF4-FFF2-40B4-BE49-F238E27FC236}">
-                <a16:creationId xmlns:a16="http://schemas.microsoft.com/office/drawing/2014/main" id="{2015F7FF-F9C1-6525-36BF-0584C77ADBFC}"/>
+                <a16:creationId xmlns:a16="http://schemas.microsoft.com/office/drawing/2014/main" id="{ABE5B03C-1AC0-A75E-E59F-73876A7367A4}"/>
               </a:ext>
             </a:extLst>
           </p:cNvPr>
@@ -450,7 +450,7 @@
           <a:bodyPr/>
           <a:lstStyle/>
           <a:p>
-            <a:fld id="{639C031D-DA55-4A30-8516-28876F345511}" type="datetimeFigureOut">
+            <a:fld id="{8012890D-D4CB-44A7-A051-CCB8235EC30F}" type="datetimeFigureOut">
               <a:rPr lang="zh-CN" altLang="en-US" smtClean="0"/>
               <a:t>2024/3/10</a:t>
             </a:fld>
@@ -463,7 +463,7 @@
           <p:cNvPr id="5" name="页脚占位符 4">
             <a:extLst>
               <a:ext uri="{FF2B5EF4-FFF2-40B4-BE49-F238E27FC236}">
-                <a16:creationId xmlns:a16="http://schemas.microsoft.com/office/drawing/2014/main" id="{7DF53618-D4DA-FEDD-FA88-D4C3AC55C095}"/>
+                <a16:creationId xmlns:a16="http://schemas.microsoft.com/office/drawing/2014/main" id="{F15D8819-AFE9-B706-939B-C56096BC5ABE}"/>
               </a:ext>
             </a:extLst>
           </p:cNvPr>
@@ -488,7 +488,7 @@
           <p:cNvPr id="6" name="灯片编号占位符 5">
             <a:extLst>
               <a:ext uri="{FF2B5EF4-FFF2-40B4-BE49-F238E27FC236}">
-                <a16:creationId xmlns:a16="http://schemas.microsoft.com/office/drawing/2014/main" id="{1AA527F4-E20F-58DC-2F37-7FE7A8CFAE10}"/>
+                <a16:creationId xmlns:a16="http://schemas.microsoft.com/office/drawing/2014/main" id="{3B424F49-0DEE-971D-0988-71D0036424DA}"/>
               </a:ext>
             </a:extLst>
           </p:cNvPr>
@@ -504,7 +504,7 @@
           <a:bodyPr/>
           <a:lstStyle/>
           <a:p>
-            <a:fld id="{82066656-9E41-4ED4-A94E-40F03657EB32}" type="slidenum">
+            <a:fld id="{85A530ED-3BD2-439D-AFEE-93C4BDF0DDC7}" type="slidenum">
               <a:rPr lang="zh-CN" altLang="en-US" smtClean="0"/>
               <a:t>‹#›</a:t>
             </a:fld>
@@ -515,7 +515,7 @@
     </p:spTree>
     <p:extLst>
       <p:ext uri="{BB962C8B-B14F-4D97-AF65-F5344CB8AC3E}">
-        <p14:creationId xmlns:p14="http://schemas.microsoft.com/office/powerpoint/2010/main" val="1716153333"/>
+        <p14:creationId xmlns:p14="http://schemas.microsoft.com/office/powerpoint/2010/main" val="1364480299"/>
       </p:ext>
     </p:extLst>
   </p:cSld>
@@ -547,7 +547,7 @@
           <p:cNvPr id="2" name="竖排标题 1">
             <a:extLst>
               <a:ext uri="{FF2B5EF4-FFF2-40B4-BE49-F238E27FC236}">
-                <a16:creationId xmlns:a16="http://schemas.microsoft.com/office/drawing/2014/main" id="{D4046C81-7D2B-194A-FD37-6F77ADDA0D75}"/>
+                <a16:creationId xmlns:a16="http://schemas.microsoft.com/office/drawing/2014/main" id="{D024560F-26E9-273F-A239-3B6281C04397}"/>
               </a:ext>
             </a:extLst>
           </p:cNvPr>
@@ -580,7 +580,7 @@
           <p:cNvPr id="3" name="竖排文字占位符 2">
             <a:extLst>
               <a:ext uri="{FF2B5EF4-FFF2-40B4-BE49-F238E27FC236}">
-                <a16:creationId xmlns:a16="http://schemas.microsoft.com/office/drawing/2014/main" id="{414B0B56-4775-A02D-86C5-42265A570600}"/>
+                <a16:creationId xmlns:a16="http://schemas.microsoft.com/office/drawing/2014/main" id="{07701929-4F8B-D485-8DCB-24878EE85D98}"/>
               </a:ext>
             </a:extLst>
           </p:cNvPr>
@@ -642,7 +642,7 @@
           <p:cNvPr id="4" name="日期占位符 3">
             <a:extLst>
               <a:ext uri="{FF2B5EF4-FFF2-40B4-BE49-F238E27FC236}">
-                <a16:creationId xmlns:a16="http://schemas.microsoft.com/office/drawing/2014/main" id="{82E46C8E-3BA6-D0CB-99CB-311EC6D99122}"/>
+                <a16:creationId xmlns:a16="http://schemas.microsoft.com/office/drawing/2014/main" id="{2D5617D2-EA9E-F5C1-2363-DD7BBB1BECE2}"/>
               </a:ext>
             </a:extLst>
           </p:cNvPr>
@@ -658,7 +658,7 @@
           <a:bodyPr/>
           <a:lstStyle/>
           <a:p>
-            <a:fld id="{639C031D-DA55-4A30-8516-28876F345511}" type="datetimeFigureOut">
+            <a:fld id="{8012890D-D4CB-44A7-A051-CCB8235EC30F}" type="datetimeFigureOut">
               <a:rPr lang="zh-CN" altLang="en-US" smtClean="0"/>
               <a:t>2024/3/10</a:t>
             </a:fld>
@@ -671,7 +671,7 @@
           <p:cNvPr id="5" name="页脚占位符 4">
             <a:extLst>
               <a:ext uri="{FF2B5EF4-FFF2-40B4-BE49-F238E27FC236}">
-                <a16:creationId xmlns:a16="http://schemas.microsoft.com/office/drawing/2014/main" id="{FD608252-1712-7303-D0C1-A4FD69A04FF5}"/>
+                <a16:creationId xmlns:a16="http://schemas.microsoft.com/office/drawing/2014/main" id="{FE81FA10-9E81-2636-999C-319B366B1966}"/>
               </a:ext>
             </a:extLst>
           </p:cNvPr>
@@ -696,7 +696,7 @@
           <p:cNvPr id="6" name="灯片编号占位符 5">
             <a:extLst>
               <a:ext uri="{FF2B5EF4-FFF2-40B4-BE49-F238E27FC236}">
-                <a16:creationId xmlns:a16="http://schemas.microsoft.com/office/drawing/2014/main" id="{176E1EF9-818A-BE13-CB50-2108D8E0C3F9}"/>
+                <a16:creationId xmlns:a16="http://schemas.microsoft.com/office/drawing/2014/main" id="{39F58BA0-6E06-15BC-98EE-F54FFB6B0105}"/>
               </a:ext>
             </a:extLst>
           </p:cNvPr>
@@ -712,7 +712,7 @@
           <a:bodyPr/>
           <a:lstStyle/>
           <a:p>
-            <a:fld id="{82066656-9E41-4ED4-A94E-40F03657EB32}" type="slidenum">
+            <a:fld id="{85A530ED-3BD2-439D-AFEE-93C4BDF0DDC7}" type="slidenum">
               <a:rPr lang="zh-CN" altLang="en-US" smtClean="0"/>
               <a:t>‹#›</a:t>
             </a:fld>
@@ -723,7 +723,7 @@
     </p:spTree>
     <p:extLst>
       <p:ext uri="{BB962C8B-B14F-4D97-AF65-F5344CB8AC3E}">
-        <p14:creationId xmlns:p14="http://schemas.microsoft.com/office/powerpoint/2010/main" val="587485163"/>
+        <p14:creationId xmlns:p14="http://schemas.microsoft.com/office/powerpoint/2010/main" val="1453126218"/>
       </p:ext>
     </p:extLst>
   </p:cSld>
@@ -755,7 +755,7 @@
           <p:cNvPr id="2" name="标题 1">
             <a:extLst>
               <a:ext uri="{FF2B5EF4-FFF2-40B4-BE49-F238E27FC236}">
-                <a16:creationId xmlns:a16="http://schemas.microsoft.com/office/drawing/2014/main" id="{C310DEAC-50D5-D3E0-928D-AFBC2993392B}"/>
+                <a16:creationId xmlns:a16="http://schemas.microsoft.com/office/drawing/2014/main" id="{44F853A4-2225-DC77-0422-C87AF1352BBB}"/>
               </a:ext>
             </a:extLst>
           </p:cNvPr>
@@ -783,7 +783,7 @@
           <p:cNvPr id="3" name="内容占位符 2">
             <a:extLst>
               <a:ext uri="{FF2B5EF4-FFF2-40B4-BE49-F238E27FC236}">
-                <a16:creationId xmlns:a16="http://schemas.microsoft.com/office/drawing/2014/main" id="{83A2E173-FF1F-DDFF-83AA-C541B783231B}"/>
+                <a16:creationId xmlns:a16="http://schemas.microsoft.com/office/drawing/2014/main" id="{D6150412-114E-E4E4-48DB-1C9B6374F89D}"/>
               </a:ext>
             </a:extLst>
           </p:cNvPr>
@@ -840,7 +840,7 @@
           <p:cNvPr id="4" name="日期占位符 3">
             <a:extLst>
               <a:ext uri="{FF2B5EF4-FFF2-40B4-BE49-F238E27FC236}">
-                <a16:creationId xmlns:a16="http://schemas.microsoft.com/office/drawing/2014/main" id="{A2A9A4DE-AB4A-BE15-B64E-0CC09521CC76}"/>
+                <a16:creationId xmlns:a16="http://schemas.microsoft.com/office/drawing/2014/main" id="{73FAC172-24FA-80F5-87CE-9E1BC821E8CF}"/>
               </a:ext>
             </a:extLst>
           </p:cNvPr>
@@ -856,7 +856,7 @@
           <a:bodyPr/>
           <a:lstStyle/>
           <a:p>
-            <a:fld id="{639C031D-DA55-4A30-8516-28876F345511}" type="datetimeFigureOut">
+            <a:fld id="{8012890D-D4CB-44A7-A051-CCB8235EC30F}" type="datetimeFigureOut">
               <a:rPr lang="zh-CN" altLang="en-US" smtClean="0"/>
               <a:t>2024/3/10</a:t>
             </a:fld>
@@ -869,7 +869,7 @@
           <p:cNvPr id="5" name="页脚占位符 4">
             <a:extLst>
               <a:ext uri="{FF2B5EF4-FFF2-40B4-BE49-F238E27FC236}">
-                <a16:creationId xmlns:a16="http://schemas.microsoft.com/office/drawing/2014/main" id="{27E0EA14-ABD0-80DA-7A6E-7AF4AAB57DFC}"/>
+                <a16:creationId xmlns:a16="http://schemas.microsoft.com/office/drawing/2014/main" id="{4AEDFA26-DBE3-6CDC-83A1-5B275B1ED02F}"/>
               </a:ext>
             </a:extLst>
           </p:cNvPr>
@@ -894,7 +894,7 @@
           <p:cNvPr id="6" name="灯片编号占位符 5">
             <a:extLst>
               <a:ext uri="{FF2B5EF4-FFF2-40B4-BE49-F238E27FC236}">
-                <a16:creationId xmlns:a16="http://schemas.microsoft.com/office/drawing/2014/main" id="{74833006-0E90-E257-2048-F32C05E3BE15}"/>
+                <a16:creationId xmlns:a16="http://schemas.microsoft.com/office/drawing/2014/main" id="{78653937-7E6F-016D-906F-BB7E487C9A02}"/>
               </a:ext>
             </a:extLst>
           </p:cNvPr>
@@ -910,7 +910,7 @@
           <a:bodyPr/>
           <a:lstStyle/>
           <a:p>
-            <a:fld id="{82066656-9E41-4ED4-A94E-40F03657EB32}" type="slidenum">
+            <a:fld id="{85A530ED-3BD2-439D-AFEE-93C4BDF0DDC7}" type="slidenum">
               <a:rPr lang="zh-CN" altLang="en-US" smtClean="0"/>
               <a:t>‹#›</a:t>
             </a:fld>
@@ -921,7 +921,7 @@
     </p:spTree>
     <p:extLst>
       <p:ext uri="{BB962C8B-B14F-4D97-AF65-F5344CB8AC3E}">
-        <p14:creationId xmlns:p14="http://schemas.microsoft.com/office/powerpoint/2010/main" val="750105019"/>
+        <p14:creationId xmlns:p14="http://schemas.microsoft.com/office/powerpoint/2010/main" val="3529656898"/>
       </p:ext>
     </p:extLst>
   </p:cSld>
@@ -953,7 +953,7 @@
           <p:cNvPr id="2" name="标题 1">
             <a:extLst>
               <a:ext uri="{FF2B5EF4-FFF2-40B4-BE49-F238E27FC236}">
-                <a16:creationId xmlns:a16="http://schemas.microsoft.com/office/drawing/2014/main" id="{AD46FC17-FA52-E892-F233-A0E496806E03}"/>
+                <a16:creationId xmlns:a16="http://schemas.microsoft.com/office/drawing/2014/main" id="{F0EC0215-AA1A-A3EF-DA7A-464C1246E433}"/>
               </a:ext>
             </a:extLst>
           </p:cNvPr>
@@ -990,7 +990,7 @@
           <p:cNvPr id="3" name="文本占位符 2">
             <a:extLst>
               <a:ext uri="{FF2B5EF4-FFF2-40B4-BE49-F238E27FC236}">
-                <a16:creationId xmlns:a16="http://schemas.microsoft.com/office/drawing/2014/main" id="{A8A8B8A2-9F6C-F104-2CAD-ACE381E66BD0}"/>
+                <a16:creationId xmlns:a16="http://schemas.microsoft.com/office/drawing/2014/main" id="{DF562FA9-C7AE-837C-A46E-2456A04A1C32}"/>
               </a:ext>
             </a:extLst>
           </p:cNvPr>
@@ -1115,7 +1115,7 @@
           <p:cNvPr id="4" name="日期占位符 3">
             <a:extLst>
               <a:ext uri="{FF2B5EF4-FFF2-40B4-BE49-F238E27FC236}">
-                <a16:creationId xmlns:a16="http://schemas.microsoft.com/office/drawing/2014/main" id="{F38F9DB7-50A5-881B-D7DC-95C274EA4194}"/>
+                <a16:creationId xmlns:a16="http://schemas.microsoft.com/office/drawing/2014/main" id="{375D112A-9F93-B6B7-7B13-847D66BCD715}"/>
               </a:ext>
             </a:extLst>
           </p:cNvPr>
@@ -1131,7 +1131,7 @@
           <a:bodyPr/>
           <a:lstStyle/>
           <a:p>
-            <a:fld id="{639C031D-DA55-4A30-8516-28876F345511}" type="datetimeFigureOut">
+            <a:fld id="{8012890D-D4CB-44A7-A051-CCB8235EC30F}" type="datetimeFigureOut">
               <a:rPr lang="zh-CN" altLang="en-US" smtClean="0"/>
               <a:t>2024/3/10</a:t>
             </a:fld>
@@ -1144,7 +1144,7 @@
           <p:cNvPr id="5" name="页脚占位符 4">
             <a:extLst>
               <a:ext uri="{FF2B5EF4-FFF2-40B4-BE49-F238E27FC236}">
-                <a16:creationId xmlns:a16="http://schemas.microsoft.com/office/drawing/2014/main" id="{7BCD0770-3238-5252-E41B-CFB621FA4543}"/>
+                <a16:creationId xmlns:a16="http://schemas.microsoft.com/office/drawing/2014/main" id="{3CAD502A-06D5-A0A2-4541-CA2A82266CFE}"/>
               </a:ext>
             </a:extLst>
           </p:cNvPr>
@@ -1169,7 +1169,7 @@
           <p:cNvPr id="6" name="灯片编号占位符 5">
             <a:extLst>
               <a:ext uri="{FF2B5EF4-FFF2-40B4-BE49-F238E27FC236}">
-                <a16:creationId xmlns:a16="http://schemas.microsoft.com/office/drawing/2014/main" id="{DDC050AC-E62E-7187-9BD2-006704FD70AE}"/>
+                <a16:creationId xmlns:a16="http://schemas.microsoft.com/office/drawing/2014/main" id="{B25315C2-26F8-37F7-87F0-5C8AE76A8A77}"/>
               </a:ext>
             </a:extLst>
           </p:cNvPr>
@@ -1185,7 +1185,7 @@
           <a:bodyPr/>
           <a:lstStyle/>
           <a:p>
-            <a:fld id="{82066656-9E41-4ED4-A94E-40F03657EB32}" type="slidenum">
+            <a:fld id="{85A530ED-3BD2-439D-AFEE-93C4BDF0DDC7}" type="slidenum">
               <a:rPr lang="zh-CN" altLang="en-US" smtClean="0"/>
               <a:t>‹#›</a:t>
             </a:fld>
@@ -1196,7 +1196,7 @@
     </p:spTree>
     <p:extLst>
       <p:ext uri="{BB962C8B-B14F-4D97-AF65-F5344CB8AC3E}">
-        <p14:creationId xmlns:p14="http://schemas.microsoft.com/office/powerpoint/2010/main" val="99546176"/>
+        <p14:creationId xmlns:p14="http://schemas.microsoft.com/office/powerpoint/2010/main" val="2040560866"/>
       </p:ext>
     </p:extLst>
   </p:cSld>
@@ -1228,7 +1228,7 @@
           <p:cNvPr id="2" name="标题 1">
             <a:extLst>
               <a:ext uri="{FF2B5EF4-FFF2-40B4-BE49-F238E27FC236}">
-                <a16:creationId xmlns:a16="http://schemas.microsoft.com/office/drawing/2014/main" id="{B668BC03-1B9F-4F4F-0FEA-D355DF2EABC9}"/>
+                <a16:creationId xmlns:a16="http://schemas.microsoft.com/office/drawing/2014/main" id="{F6DB1150-E423-DED3-4E89-D8EB325FBAC5}"/>
               </a:ext>
             </a:extLst>
           </p:cNvPr>
@@ -1256,7 +1256,7 @@
           <p:cNvPr id="3" name="内容占位符 2">
             <a:extLst>
               <a:ext uri="{FF2B5EF4-FFF2-40B4-BE49-F238E27FC236}">
-                <a16:creationId xmlns:a16="http://schemas.microsoft.com/office/drawing/2014/main" id="{3DD1CD08-69A3-F74A-E729-972B6EC441BB}"/>
+                <a16:creationId xmlns:a16="http://schemas.microsoft.com/office/drawing/2014/main" id="{EDEF23D0-1642-BF3F-D26A-62CA3CE6AC1D}"/>
               </a:ext>
             </a:extLst>
           </p:cNvPr>
@@ -1318,7 +1318,7 @@
           <p:cNvPr id="4" name="内容占位符 3">
             <a:extLst>
               <a:ext uri="{FF2B5EF4-FFF2-40B4-BE49-F238E27FC236}">
-                <a16:creationId xmlns:a16="http://schemas.microsoft.com/office/drawing/2014/main" id="{9D0213AF-1D59-06DB-E09C-EE3C03BA4DA4}"/>
+                <a16:creationId xmlns:a16="http://schemas.microsoft.com/office/drawing/2014/main" id="{1CB70EDA-46A2-E605-3E69-78F2245997F6}"/>
               </a:ext>
             </a:extLst>
           </p:cNvPr>
@@ -1380,7 +1380,7 @@
           <p:cNvPr id="5" name="日期占位符 4">
             <a:extLst>
               <a:ext uri="{FF2B5EF4-FFF2-40B4-BE49-F238E27FC236}">
-                <a16:creationId xmlns:a16="http://schemas.microsoft.com/office/drawing/2014/main" id="{32146717-9139-01E8-C881-9B8BD32D6C54}"/>
+                <a16:creationId xmlns:a16="http://schemas.microsoft.com/office/drawing/2014/main" id="{45245C37-9D6F-1247-4981-A9FA7785259B}"/>
               </a:ext>
             </a:extLst>
           </p:cNvPr>
@@ -1396,7 +1396,7 @@
           <a:bodyPr/>
           <a:lstStyle/>
           <a:p>
-            <a:fld id="{639C031D-DA55-4A30-8516-28876F345511}" type="datetimeFigureOut">
+            <a:fld id="{8012890D-D4CB-44A7-A051-CCB8235EC30F}" type="datetimeFigureOut">
               <a:rPr lang="zh-CN" altLang="en-US" smtClean="0"/>
               <a:t>2024/3/10</a:t>
             </a:fld>
@@ -1409,7 +1409,7 @@
           <p:cNvPr id="6" name="页脚占位符 5">
             <a:extLst>
               <a:ext uri="{FF2B5EF4-FFF2-40B4-BE49-F238E27FC236}">
-                <a16:creationId xmlns:a16="http://schemas.microsoft.com/office/drawing/2014/main" id="{55334532-7398-A043-F529-8027E8DDE135}"/>
+                <a16:creationId xmlns:a16="http://schemas.microsoft.com/office/drawing/2014/main" id="{581B4C47-8063-B67B-D868-64B7281BADB6}"/>
               </a:ext>
             </a:extLst>
           </p:cNvPr>
@@ -1434,7 +1434,7 @@
           <p:cNvPr id="7" name="灯片编号占位符 6">
             <a:extLst>
               <a:ext uri="{FF2B5EF4-FFF2-40B4-BE49-F238E27FC236}">
-                <a16:creationId xmlns:a16="http://schemas.microsoft.com/office/drawing/2014/main" id="{AFC957AA-B819-E7FD-6640-724F61217554}"/>
+                <a16:creationId xmlns:a16="http://schemas.microsoft.com/office/drawing/2014/main" id="{CDA97F4B-1ACD-646F-82D9-9E19EBE61CF6}"/>
               </a:ext>
             </a:extLst>
           </p:cNvPr>
@@ -1450,7 +1450,7 @@
           <a:bodyPr/>
           <a:lstStyle/>
           <a:p>
-            <a:fld id="{82066656-9E41-4ED4-A94E-40F03657EB32}" type="slidenum">
+            <a:fld id="{85A530ED-3BD2-439D-AFEE-93C4BDF0DDC7}" type="slidenum">
               <a:rPr lang="zh-CN" altLang="en-US" smtClean="0"/>
               <a:t>‹#›</a:t>
             </a:fld>
@@ -1461,7 +1461,7 @@
     </p:spTree>
     <p:extLst>
       <p:ext uri="{BB962C8B-B14F-4D97-AF65-F5344CB8AC3E}">
-        <p14:creationId xmlns:p14="http://schemas.microsoft.com/office/powerpoint/2010/main" val="1269865649"/>
+        <p14:creationId xmlns:p14="http://schemas.microsoft.com/office/powerpoint/2010/main" val="1537578314"/>
       </p:ext>
     </p:extLst>
   </p:cSld>
@@ -1493,7 +1493,7 @@
           <p:cNvPr id="2" name="标题 1">
             <a:extLst>
               <a:ext uri="{FF2B5EF4-FFF2-40B4-BE49-F238E27FC236}">
-                <a16:creationId xmlns:a16="http://schemas.microsoft.com/office/drawing/2014/main" id="{2971E681-0740-EB75-BDBE-FE94B2863F94}"/>
+                <a16:creationId xmlns:a16="http://schemas.microsoft.com/office/drawing/2014/main" id="{659F3CFA-3B06-D4B8-71F8-3E477C3FDEC9}"/>
               </a:ext>
             </a:extLst>
           </p:cNvPr>
@@ -1526,7 +1526,7 @@
           <p:cNvPr id="3" name="文本占位符 2">
             <a:extLst>
               <a:ext uri="{FF2B5EF4-FFF2-40B4-BE49-F238E27FC236}">
-                <a16:creationId xmlns:a16="http://schemas.microsoft.com/office/drawing/2014/main" id="{CB699401-8CB5-E7DB-962B-4C1E62E940E6}"/>
+                <a16:creationId xmlns:a16="http://schemas.microsoft.com/office/drawing/2014/main" id="{FFB31E68-86F4-38FD-3A1D-F9B63A3C4657}"/>
               </a:ext>
             </a:extLst>
           </p:cNvPr>
@@ -1597,7 +1597,7 @@
           <p:cNvPr id="4" name="内容占位符 3">
             <a:extLst>
               <a:ext uri="{FF2B5EF4-FFF2-40B4-BE49-F238E27FC236}">
-                <a16:creationId xmlns:a16="http://schemas.microsoft.com/office/drawing/2014/main" id="{BAA6FF78-92F2-F360-9132-B69121EB6E05}"/>
+                <a16:creationId xmlns:a16="http://schemas.microsoft.com/office/drawing/2014/main" id="{7398D7E9-BD72-4E57-B4A1-F7C88825A2AB}"/>
               </a:ext>
             </a:extLst>
           </p:cNvPr>
@@ -1659,7 +1659,7 @@
           <p:cNvPr id="5" name="文本占位符 4">
             <a:extLst>
               <a:ext uri="{FF2B5EF4-FFF2-40B4-BE49-F238E27FC236}">
-                <a16:creationId xmlns:a16="http://schemas.microsoft.com/office/drawing/2014/main" id="{F85568E4-FDD4-4637-7B64-8F111CA66073}"/>
+                <a16:creationId xmlns:a16="http://schemas.microsoft.com/office/drawing/2014/main" id="{CED9EFE1-40EC-7A1B-8FDB-66C71C40820F}"/>
               </a:ext>
             </a:extLst>
           </p:cNvPr>
@@ -1730,7 +1730,7 @@
           <p:cNvPr id="6" name="内容占位符 5">
             <a:extLst>
               <a:ext uri="{FF2B5EF4-FFF2-40B4-BE49-F238E27FC236}">
-                <a16:creationId xmlns:a16="http://schemas.microsoft.com/office/drawing/2014/main" id="{2927A84A-AAA6-0D9F-3464-DC5EB255220C}"/>
+                <a16:creationId xmlns:a16="http://schemas.microsoft.com/office/drawing/2014/main" id="{F2EEDC6C-ACDF-9C7F-6796-2990424FEB26}"/>
               </a:ext>
             </a:extLst>
           </p:cNvPr>
@@ -1792,7 +1792,7 @@
           <p:cNvPr id="7" name="日期占位符 6">
             <a:extLst>
               <a:ext uri="{FF2B5EF4-FFF2-40B4-BE49-F238E27FC236}">
-                <a16:creationId xmlns:a16="http://schemas.microsoft.com/office/drawing/2014/main" id="{CB5FA0E4-B8CA-BD7B-180A-61A6BFF2D52C}"/>
+                <a16:creationId xmlns:a16="http://schemas.microsoft.com/office/drawing/2014/main" id="{707669C7-4508-00EE-451C-6B1A76F20681}"/>
               </a:ext>
             </a:extLst>
           </p:cNvPr>
@@ -1808,7 +1808,7 @@
           <a:bodyPr/>
           <a:lstStyle/>
           <a:p>
-            <a:fld id="{639C031D-DA55-4A30-8516-28876F345511}" type="datetimeFigureOut">
+            <a:fld id="{8012890D-D4CB-44A7-A051-CCB8235EC30F}" type="datetimeFigureOut">
               <a:rPr lang="zh-CN" altLang="en-US" smtClean="0"/>
               <a:t>2024/3/10</a:t>
             </a:fld>
@@ -1821,7 +1821,7 @@
           <p:cNvPr id="8" name="页脚占位符 7">
             <a:extLst>
               <a:ext uri="{FF2B5EF4-FFF2-40B4-BE49-F238E27FC236}">
-                <a16:creationId xmlns:a16="http://schemas.microsoft.com/office/drawing/2014/main" id="{7E6AB620-6462-1660-ABFB-DA6A465DCBF5}"/>
+                <a16:creationId xmlns:a16="http://schemas.microsoft.com/office/drawing/2014/main" id="{1F7977A7-5109-77E0-32BE-AA0FF8E9F6AB}"/>
               </a:ext>
             </a:extLst>
           </p:cNvPr>
@@ -1846,7 +1846,7 @@
           <p:cNvPr id="9" name="灯片编号占位符 8">
             <a:extLst>
               <a:ext uri="{FF2B5EF4-FFF2-40B4-BE49-F238E27FC236}">
-                <a16:creationId xmlns:a16="http://schemas.microsoft.com/office/drawing/2014/main" id="{B2032B30-5EB6-8B78-6424-513BF44C183E}"/>
+                <a16:creationId xmlns:a16="http://schemas.microsoft.com/office/drawing/2014/main" id="{48EA9DFF-9078-D229-D7B9-FA83C17BF7B2}"/>
               </a:ext>
             </a:extLst>
           </p:cNvPr>
@@ -1862,7 +1862,7 @@
           <a:bodyPr/>
           <a:lstStyle/>
           <a:p>
-            <a:fld id="{82066656-9E41-4ED4-A94E-40F03657EB32}" type="slidenum">
+            <a:fld id="{85A530ED-3BD2-439D-AFEE-93C4BDF0DDC7}" type="slidenum">
               <a:rPr lang="zh-CN" altLang="en-US" smtClean="0"/>
               <a:t>‹#›</a:t>
             </a:fld>
@@ -1873,7 +1873,7 @@
     </p:spTree>
     <p:extLst>
       <p:ext uri="{BB962C8B-B14F-4D97-AF65-F5344CB8AC3E}">
-        <p14:creationId xmlns:p14="http://schemas.microsoft.com/office/powerpoint/2010/main" val="774298767"/>
+        <p14:creationId xmlns:p14="http://schemas.microsoft.com/office/powerpoint/2010/main" val="2321083257"/>
       </p:ext>
     </p:extLst>
   </p:cSld>
@@ -1905,7 +1905,7 @@
           <p:cNvPr id="2" name="标题 1">
             <a:extLst>
               <a:ext uri="{FF2B5EF4-FFF2-40B4-BE49-F238E27FC236}">
-                <a16:creationId xmlns:a16="http://schemas.microsoft.com/office/drawing/2014/main" id="{17EEE437-3F61-4996-C87C-801AA37530AF}"/>
+                <a16:creationId xmlns:a16="http://schemas.microsoft.com/office/drawing/2014/main" id="{20317051-D0BE-D65B-91C5-E4035B900EDB}"/>
               </a:ext>
             </a:extLst>
           </p:cNvPr>
@@ -1933,7 +1933,7 @@
           <p:cNvPr id="3" name="日期占位符 2">
             <a:extLst>
               <a:ext uri="{FF2B5EF4-FFF2-40B4-BE49-F238E27FC236}">
-                <a16:creationId xmlns:a16="http://schemas.microsoft.com/office/drawing/2014/main" id="{2931A31C-436D-D37A-F84C-C5A731C17D67}"/>
+                <a16:creationId xmlns:a16="http://schemas.microsoft.com/office/drawing/2014/main" id="{8C5AC55C-E6A2-1170-87F7-8DCAAA435188}"/>
               </a:ext>
             </a:extLst>
           </p:cNvPr>
@@ -1949,7 +1949,7 @@
           <a:bodyPr/>
           <a:lstStyle/>
           <a:p>
-            <a:fld id="{639C031D-DA55-4A30-8516-28876F345511}" type="datetimeFigureOut">
+            <a:fld id="{8012890D-D4CB-44A7-A051-CCB8235EC30F}" type="datetimeFigureOut">
               <a:rPr lang="zh-CN" altLang="en-US" smtClean="0"/>
               <a:t>2024/3/10</a:t>
             </a:fld>
@@ -1962,7 +1962,7 @@
           <p:cNvPr id="4" name="页脚占位符 3">
             <a:extLst>
               <a:ext uri="{FF2B5EF4-FFF2-40B4-BE49-F238E27FC236}">
-                <a16:creationId xmlns:a16="http://schemas.microsoft.com/office/drawing/2014/main" id="{C1AC8CA1-5474-2C91-FA92-D52B27C46A23}"/>
+                <a16:creationId xmlns:a16="http://schemas.microsoft.com/office/drawing/2014/main" id="{10D2B05E-D2C8-2E17-097F-193A0655EA95}"/>
               </a:ext>
             </a:extLst>
           </p:cNvPr>
@@ -1987,7 +1987,7 @@
           <p:cNvPr id="5" name="灯片编号占位符 4">
             <a:extLst>
               <a:ext uri="{FF2B5EF4-FFF2-40B4-BE49-F238E27FC236}">
-                <a16:creationId xmlns:a16="http://schemas.microsoft.com/office/drawing/2014/main" id="{68262F1D-52CC-3556-C019-4EA673296CAD}"/>
+                <a16:creationId xmlns:a16="http://schemas.microsoft.com/office/drawing/2014/main" id="{056A3430-AE88-7EE9-84FD-9FFA79331CD8}"/>
               </a:ext>
             </a:extLst>
           </p:cNvPr>
@@ -2003,7 +2003,7 @@
           <a:bodyPr/>
           <a:lstStyle/>
           <a:p>
-            <a:fld id="{82066656-9E41-4ED4-A94E-40F03657EB32}" type="slidenum">
+            <a:fld id="{85A530ED-3BD2-439D-AFEE-93C4BDF0DDC7}" type="slidenum">
               <a:rPr lang="zh-CN" altLang="en-US" smtClean="0"/>
               <a:t>‹#›</a:t>
             </a:fld>
@@ -2014,7 +2014,7 @@
     </p:spTree>
     <p:extLst>
       <p:ext uri="{BB962C8B-B14F-4D97-AF65-F5344CB8AC3E}">
-        <p14:creationId xmlns:p14="http://schemas.microsoft.com/office/powerpoint/2010/main" val="2257401220"/>
+        <p14:creationId xmlns:p14="http://schemas.microsoft.com/office/powerpoint/2010/main" val="3919818635"/>
       </p:ext>
     </p:extLst>
   </p:cSld>
@@ -2046,7 +2046,7 @@
           <p:cNvPr id="2" name="日期占位符 1">
             <a:extLst>
               <a:ext uri="{FF2B5EF4-FFF2-40B4-BE49-F238E27FC236}">
-                <a16:creationId xmlns:a16="http://schemas.microsoft.com/office/drawing/2014/main" id="{972E2A2D-76E6-F7A6-23F8-436F2195613D}"/>
+                <a16:creationId xmlns:a16="http://schemas.microsoft.com/office/drawing/2014/main" id="{2F683158-843A-B058-181A-6450E69A85F2}"/>
               </a:ext>
             </a:extLst>
           </p:cNvPr>
@@ -2062,7 +2062,7 @@
           <a:bodyPr/>
           <a:lstStyle/>
           <a:p>
-            <a:fld id="{639C031D-DA55-4A30-8516-28876F345511}" type="datetimeFigureOut">
+            <a:fld id="{8012890D-D4CB-44A7-A051-CCB8235EC30F}" type="datetimeFigureOut">
               <a:rPr lang="zh-CN" altLang="en-US" smtClean="0"/>
               <a:t>2024/3/10</a:t>
             </a:fld>
@@ -2075,7 +2075,7 @@
           <p:cNvPr id="3" name="页脚占位符 2">
             <a:extLst>
               <a:ext uri="{FF2B5EF4-FFF2-40B4-BE49-F238E27FC236}">
-                <a16:creationId xmlns:a16="http://schemas.microsoft.com/office/drawing/2014/main" id="{185C024E-AA91-D921-55A2-4CD8B7B5BA3C}"/>
+                <a16:creationId xmlns:a16="http://schemas.microsoft.com/office/drawing/2014/main" id="{1DB13D3E-6B4A-AAAA-A3A8-2BAA96C268B5}"/>
               </a:ext>
             </a:extLst>
           </p:cNvPr>
@@ -2100,7 +2100,7 @@
           <p:cNvPr id="4" name="灯片编号占位符 3">
             <a:extLst>
               <a:ext uri="{FF2B5EF4-FFF2-40B4-BE49-F238E27FC236}">
-                <a16:creationId xmlns:a16="http://schemas.microsoft.com/office/drawing/2014/main" id="{582C06D3-9E9A-D2CE-783F-5A6E84C00519}"/>
+                <a16:creationId xmlns:a16="http://schemas.microsoft.com/office/drawing/2014/main" id="{29B56580-31C0-60C3-0F51-DD85FEEB6132}"/>
               </a:ext>
             </a:extLst>
           </p:cNvPr>
@@ -2116,7 +2116,7 @@
           <a:bodyPr/>
           <a:lstStyle/>
           <a:p>
-            <a:fld id="{82066656-9E41-4ED4-A94E-40F03657EB32}" type="slidenum">
+            <a:fld id="{85A530ED-3BD2-439D-AFEE-93C4BDF0DDC7}" type="slidenum">
               <a:rPr lang="zh-CN" altLang="en-US" smtClean="0"/>
               <a:t>‹#›</a:t>
             </a:fld>
@@ -2127,7 +2127,7 @@
     </p:spTree>
     <p:extLst>
       <p:ext uri="{BB962C8B-B14F-4D97-AF65-F5344CB8AC3E}">
-        <p14:creationId xmlns:p14="http://schemas.microsoft.com/office/powerpoint/2010/main" val="1037440720"/>
+        <p14:creationId xmlns:p14="http://schemas.microsoft.com/office/powerpoint/2010/main" val="3627592602"/>
       </p:ext>
     </p:extLst>
   </p:cSld>
@@ -2159,7 +2159,7 @@
           <p:cNvPr id="2" name="标题 1">
             <a:extLst>
               <a:ext uri="{FF2B5EF4-FFF2-40B4-BE49-F238E27FC236}">
-                <a16:creationId xmlns:a16="http://schemas.microsoft.com/office/drawing/2014/main" id="{8E0F8C24-D2E1-CE9C-F5FD-F8050A71E214}"/>
+                <a16:creationId xmlns:a16="http://schemas.microsoft.com/office/drawing/2014/main" id="{B2EEB6ED-C134-1D3C-CC36-8B7E34FF0CE9}"/>
               </a:ext>
             </a:extLst>
           </p:cNvPr>
@@ -2196,7 +2196,7 @@
           <p:cNvPr id="3" name="内容占位符 2">
             <a:extLst>
               <a:ext uri="{FF2B5EF4-FFF2-40B4-BE49-F238E27FC236}">
-                <a16:creationId xmlns:a16="http://schemas.microsoft.com/office/drawing/2014/main" id="{89949448-F0C3-5320-F8AE-ECD08153846D}"/>
+                <a16:creationId xmlns:a16="http://schemas.microsoft.com/office/drawing/2014/main" id="{E0E041CB-DC1C-109C-6560-B94F84F98CA2}"/>
               </a:ext>
             </a:extLst>
           </p:cNvPr>
@@ -2286,7 +2286,7 @@
           <p:cNvPr id="4" name="文本占位符 3">
             <a:extLst>
               <a:ext uri="{FF2B5EF4-FFF2-40B4-BE49-F238E27FC236}">
-                <a16:creationId xmlns:a16="http://schemas.microsoft.com/office/drawing/2014/main" id="{A3D18796-207F-578B-1608-5BAF2DE87B34}"/>
+                <a16:creationId xmlns:a16="http://schemas.microsoft.com/office/drawing/2014/main" id="{FCB41CEC-F2A6-DB9B-0556-6DC3366FB84B}"/>
               </a:ext>
             </a:extLst>
           </p:cNvPr>
@@ -2357,7 +2357,7 @@
           <p:cNvPr id="5" name="日期占位符 4">
             <a:extLst>
               <a:ext uri="{FF2B5EF4-FFF2-40B4-BE49-F238E27FC236}">
-                <a16:creationId xmlns:a16="http://schemas.microsoft.com/office/drawing/2014/main" id="{4133FFCC-E879-5080-DFA7-A7103838FD66}"/>
+                <a16:creationId xmlns:a16="http://schemas.microsoft.com/office/drawing/2014/main" id="{A3B4C9B8-7467-05B7-06A8-DBCD73149A12}"/>
               </a:ext>
             </a:extLst>
           </p:cNvPr>
@@ -2373,7 +2373,7 @@
           <a:bodyPr/>
           <a:lstStyle/>
           <a:p>
-            <a:fld id="{639C031D-DA55-4A30-8516-28876F345511}" type="datetimeFigureOut">
+            <a:fld id="{8012890D-D4CB-44A7-A051-CCB8235EC30F}" type="datetimeFigureOut">
               <a:rPr lang="zh-CN" altLang="en-US" smtClean="0"/>
               <a:t>2024/3/10</a:t>
             </a:fld>
@@ -2386,7 +2386,7 @@
           <p:cNvPr id="6" name="页脚占位符 5">
             <a:extLst>
               <a:ext uri="{FF2B5EF4-FFF2-40B4-BE49-F238E27FC236}">
-                <a16:creationId xmlns:a16="http://schemas.microsoft.com/office/drawing/2014/main" id="{0AE2F470-484D-50CB-11B3-D4E76B45C0DA}"/>
+                <a16:creationId xmlns:a16="http://schemas.microsoft.com/office/drawing/2014/main" id="{EDDD8A53-D040-F1DE-99AF-597E6BDA47D1}"/>
               </a:ext>
             </a:extLst>
           </p:cNvPr>
@@ -2411,7 +2411,7 @@
           <p:cNvPr id="7" name="灯片编号占位符 6">
             <a:extLst>
               <a:ext uri="{FF2B5EF4-FFF2-40B4-BE49-F238E27FC236}">
-                <a16:creationId xmlns:a16="http://schemas.microsoft.com/office/drawing/2014/main" id="{6ED3A7A3-4460-35BC-87B3-E454A6D50C47}"/>
+                <a16:creationId xmlns:a16="http://schemas.microsoft.com/office/drawing/2014/main" id="{2C232732-2E4D-56F4-803D-F5C54294FBDF}"/>
               </a:ext>
             </a:extLst>
           </p:cNvPr>
@@ -2427,7 +2427,7 @@
           <a:bodyPr/>
           <a:lstStyle/>
           <a:p>
-            <a:fld id="{82066656-9E41-4ED4-A94E-40F03657EB32}" type="slidenum">
+            <a:fld id="{85A530ED-3BD2-439D-AFEE-93C4BDF0DDC7}" type="slidenum">
               <a:rPr lang="zh-CN" altLang="en-US" smtClean="0"/>
               <a:t>‹#›</a:t>
             </a:fld>
@@ -2438,7 +2438,7 @@
     </p:spTree>
     <p:extLst>
       <p:ext uri="{BB962C8B-B14F-4D97-AF65-F5344CB8AC3E}">
-        <p14:creationId xmlns:p14="http://schemas.microsoft.com/office/powerpoint/2010/main" val="4171171965"/>
+        <p14:creationId xmlns:p14="http://schemas.microsoft.com/office/powerpoint/2010/main" val="2671408192"/>
       </p:ext>
     </p:extLst>
   </p:cSld>
@@ -2470,7 +2470,7 @@
           <p:cNvPr id="2" name="标题 1">
             <a:extLst>
               <a:ext uri="{FF2B5EF4-FFF2-40B4-BE49-F238E27FC236}">
-                <a16:creationId xmlns:a16="http://schemas.microsoft.com/office/drawing/2014/main" id="{A6B01E52-09FD-C4F7-D898-03FD695BD71A}"/>
+                <a16:creationId xmlns:a16="http://schemas.microsoft.com/office/drawing/2014/main" id="{C1365563-DE42-E135-D518-7F36440852B3}"/>
               </a:ext>
             </a:extLst>
           </p:cNvPr>
@@ -2507,7 +2507,7 @@
           <p:cNvPr id="3" name="图片占位符 2">
             <a:extLst>
               <a:ext uri="{FF2B5EF4-FFF2-40B4-BE49-F238E27FC236}">
-                <a16:creationId xmlns:a16="http://schemas.microsoft.com/office/drawing/2014/main" id="{C873FEE4-3D33-6347-4D66-CC1B33068B3C}"/>
+                <a16:creationId xmlns:a16="http://schemas.microsoft.com/office/drawing/2014/main" id="{4030CE25-C248-8EEC-3059-49BF85899FD4}"/>
               </a:ext>
             </a:extLst>
           </p:cNvPr>
@@ -2574,7 +2574,7 @@
           <p:cNvPr id="4" name="文本占位符 3">
             <a:extLst>
               <a:ext uri="{FF2B5EF4-FFF2-40B4-BE49-F238E27FC236}">
-                <a16:creationId xmlns:a16="http://schemas.microsoft.com/office/drawing/2014/main" id="{F0F7FF2A-A01C-B757-9B06-C1A1186C3CA6}"/>
+                <a16:creationId xmlns:a16="http://schemas.microsoft.com/office/drawing/2014/main" id="{04A3E9AF-4065-33A4-D6F6-7A4DFA329BC2}"/>
               </a:ext>
             </a:extLst>
           </p:cNvPr>
@@ -2645,7 +2645,7 @@
           <p:cNvPr id="5" name="日期占位符 4">
             <a:extLst>
               <a:ext uri="{FF2B5EF4-FFF2-40B4-BE49-F238E27FC236}">
-                <a16:creationId xmlns:a16="http://schemas.microsoft.com/office/drawing/2014/main" id="{F5F9FA7F-58B3-AE65-0262-52559118CEE1}"/>
+                <a16:creationId xmlns:a16="http://schemas.microsoft.com/office/drawing/2014/main" id="{4380D088-CE8C-9E21-05D8-A1538E44E932}"/>
               </a:ext>
             </a:extLst>
           </p:cNvPr>
@@ -2661,7 +2661,7 @@
           <a:bodyPr/>
           <a:lstStyle/>
           <a:p>
-            <a:fld id="{639C031D-DA55-4A30-8516-28876F345511}" type="datetimeFigureOut">
+            <a:fld id="{8012890D-D4CB-44A7-A051-CCB8235EC30F}" type="datetimeFigureOut">
               <a:rPr lang="zh-CN" altLang="en-US" smtClean="0"/>
               <a:t>2024/3/10</a:t>
             </a:fld>
@@ -2674,7 +2674,7 @@
           <p:cNvPr id="6" name="页脚占位符 5">
             <a:extLst>
               <a:ext uri="{FF2B5EF4-FFF2-40B4-BE49-F238E27FC236}">
-                <a16:creationId xmlns:a16="http://schemas.microsoft.com/office/drawing/2014/main" id="{EFEA13E4-1D4B-0929-95F7-0BAFF4E0F86F}"/>
+                <a16:creationId xmlns:a16="http://schemas.microsoft.com/office/drawing/2014/main" id="{AB1D16F6-B41C-2CFE-AD39-4C1366DECA61}"/>
               </a:ext>
             </a:extLst>
           </p:cNvPr>
@@ -2699,7 +2699,7 @@
           <p:cNvPr id="7" name="灯片编号占位符 6">
             <a:extLst>
               <a:ext uri="{FF2B5EF4-FFF2-40B4-BE49-F238E27FC236}">
-                <a16:creationId xmlns:a16="http://schemas.microsoft.com/office/drawing/2014/main" id="{BADC91EB-A80C-3686-052F-873EF2E70109}"/>
+                <a16:creationId xmlns:a16="http://schemas.microsoft.com/office/drawing/2014/main" id="{54222A16-57CF-8201-B15B-152D5CF819F3}"/>
               </a:ext>
             </a:extLst>
           </p:cNvPr>
@@ -2715,7 +2715,7 @@
           <a:bodyPr/>
           <a:lstStyle/>
           <a:p>
-            <a:fld id="{82066656-9E41-4ED4-A94E-40F03657EB32}" type="slidenum">
+            <a:fld id="{85A530ED-3BD2-439D-AFEE-93C4BDF0DDC7}" type="slidenum">
               <a:rPr lang="zh-CN" altLang="en-US" smtClean="0"/>
               <a:t>‹#›</a:t>
             </a:fld>
@@ -2726,7 +2726,7 @@
     </p:spTree>
     <p:extLst>
       <p:ext uri="{BB962C8B-B14F-4D97-AF65-F5344CB8AC3E}">
-        <p14:creationId xmlns:p14="http://schemas.microsoft.com/office/powerpoint/2010/main" val="2106774802"/>
+        <p14:creationId xmlns:p14="http://schemas.microsoft.com/office/powerpoint/2010/main" val="398021824"/>
       </p:ext>
     </p:extLst>
   </p:cSld>
@@ -2763,7 +2763,7 @@
           <p:cNvPr id="2" name="标题占位符 1">
             <a:extLst>
               <a:ext uri="{FF2B5EF4-FFF2-40B4-BE49-F238E27FC236}">
-                <a16:creationId xmlns:a16="http://schemas.microsoft.com/office/drawing/2014/main" id="{B8805093-6CF9-D8F7-EEDE-9D86C7C43631}"/>
+                <a16:creationId xmlns:a16="http://schemas.microsoft.com/office/drawing/2014/main" id="{6B2C88B2-DCE3-D78F-E6CA-1D8FE3FE543B}"/>
               </a:ext>
             </a:extLst>
           </p:cNvPr>
@@ -2801,7 +2801,7 @@
           <p:cNvPr id="3" name="文本占位符 2">
             <a:extLst>
               <a:ext uri="{FF2B5EF4-FFF2-40B4-BE49-F238E27FC236}">
-                <a16:creationId xmlns:a16="http://schemas.microsoft.com/office/drawing/2014/main" id="{7A06DBD8-8F6F-AB00-32A1-5A5E07230813}"/>
+                <a16:creationId xmlns:a16="http://schemas.microsoft.com/office/drawing/2014/main" id="{5F7AC629-1A23-91A5-39BB-FA04D3BD6175}"/>
               </a:ext>
             </a:extLst>
           </p:cNvPr>
@@ -2868,7 +2868,7 @@
           <p:cNvPr id="4" name="日期占位符 3">
             <a:extLst>
               <a:ext uri="{FF2B5EF4-FFF2-40B4-BE49-F238E27FC236}">
-                <a16:creationId xmlns:a16="http://schemas.microsoft.com/office/drawing/2014/main" id="{7715EA02-DFF1-2C41-FD7F-6C092A08E88E}"/>
+                <a16:creationId xmlns:a16="http://schemas.microsoft.com/office/drawing/2014/main" id="{8547404C-18B3-CF90-24D8-B104BF8C3C2E}"/>
               </a:ext>
             </a:extLst>
           </p:cNvPr>
@@ -2902,7 +2902,7 @@
             </a:lvl1pPr>
           </a:lstStyle>
           <a:p>
-            <a:fld id="{639C031D-DA55-4A30-8516-28876F345511}" type="datetimeFigureOut">
+            <a:fld id="{8012890D-D4CB-44A7-A051-CCB8235EC30F}" type="datetimeFigureOut">
               <a:rPr lang="zh-CN" altLang="en-US" smtClean="0"/>
               <a:t>2024/3/10</a:t>
             </a:fld>
@@ -2915,7 +2915,7 @@
           <p:cNvPr id="5" name="页脚占位符 4">
             <a:extLst>
               <a:ext uri="{FF2B5EF4-FFF2-40B4-BE49-F238E27FC236}">
-                <a16:creationId xmlns:a16="http://schemas.microsoft.com/office/drawing/2014/main" id="{32DA9FB2-9950-1A37-8B82-9CBBD74148D9}"/>
+                <a16:creationId xmlns:a16="http://schemas.microsoft.com/office/drawing/2014/main" id="{AED0BD82-A66A-C6E1-25CD-63EAA1551614}"/>
               </a:ext>
             </a:extLst>
           </p:cNvPr>
@@ -2958,7 +2958,7 @@
           <p:cNvPr id="6" name="灯片编号占位符 5">
             <a:extLst>
               <a:ext uri="{FF2B5EF4-FFF2-40B4-BE49-F238E27FC236}">
-                <a16:creationId xmlns:a16="http://schemas.microsoft.com/office/drawing/2014/main" id="{7FDAFC9E-F9B6-A4BC-AE26-49BD7E7D694E}"/>
+                <a16:creationId xmlns:a16="http://schemas.microsoft.com/office/drawing/2014/main" id="{07ED8BF2-89F2-FE6E-F3CA-2CE5322055E3}"/>
               </a:ext>
             </a:extLst>
           </p:cNvPr>
@@ -2992,7 +2992,7 @@
             </a:lvl1pPr>
           </a:lstStyle>
           <a:p>
-            <a:fld id="{82066656-9E41-4ED4-A94E-40F03657EB32}" type="slidenum">
+            <a:fld id="{85A530ED-3BD2-439D-AFEE-93C4BDF0DDC7}" type="slidenum">
               <a:rPr lang="zh-CN" altLang="en-US" smtClean="0"/>
               <a:t>‹#›</a:t>
             </a:fld>
@@ -3003,7 +3003,7 @@
     </p:spTree>
     <p:extLst>
       <p:ext uri="{BB962C8B-B14F-4D97-AF65-F5344CB8AC3E}">
-        <p14:creationId xmlns:p14="http://schemas.microsoft.com/office/powerpoint/2010/main" val="1617438041"/>
+        <p14:creationId xmlns:p14="http://schemas.microsoft.com/office/powerpoint/2010/main" val="2453517529"/>
       </p:ext>
     </p:extLst>
   </p:cSld>
